--- a/src/GameTypes.pptx
+++ b/src/GameTypes.pptx
@@ -128,13 +128,99 @@
 <file path=ppt/revisionInfo.xml><?xml version="1.0" encoding="utf-8"?>
 <p1510:revInfo xmlns:a="http://schemas.openxmlformats.org/drawingml/2006/main" xmlns:r="http://schemas.openxmlformats.org/officeDocument/2006/relationships" xmlns:p1510="http://schemas.microsoft.com/office/powerpoint/2015/10/main">
   <p1510:revLst>
-    <p1510:client id="{5486CECA-58B8-49F4-8596-28332A57EE08}" v="187" dt="2019-05-14T12:45:47.316"/>
+    <p1510:client id="{5BC828F7-2975-468E-B8AD-B2E592C93831}" v="40" dt="2019-07-16T16:09:07.413"/>
   </p1510:revLst>
 </p1510:revInfo>
 </file>
 
 <file path=ppt/changesInfos/changesInfo1.xml><?xml version="1.0" encoding="utf-8"?>
 <pc:chgInfo xmlns:a="http://schemas.openxmlformats.org/drawingml/2006/main" xmlns:r="http://schemas.openxmlformats.org/officeDocument/2006/relationships" xmlns:ac="http://schemas.microsoft.com/office/drawing/2013/main/command" xmlns:pc="http://schemas.microsoft.com/office/powerpoint/2013/main/command">
+  <pc:docChgLst>
+    <pc:chgData name="Kerney, Jason" userId="1d545db0-240c-4034-9e97-4382dab14bfe" providerId="ADAL" clId="{5BC828F7-2975-468E-B8AD-B2E592C93831}"/>
+    <pc:docChg chg="modSld">
+      <pc:chgData name="Kerney, Jason" userId="1d545db0-240c-4034-9e97-4382dab14bfe" providerId="ADAL" clId="{5BC828F7-2975-468E-B8AD-B2E592C93831}" dt="2019-07-16T16:09:07.413" v="39" actId="1038"/>
+      <pc:docMkLst>
+        <pc:docMk/>
+      </pc:docMkLst>
+      <pc:sldChg chg="addSp modSp">
+        <pc:chgData name="Kerney, Jason" userId="1d545db0-240c-4034-9e97-4382dab14bfe" providerId="ADAL" clId="{5BC828F7-2975-468E-B8AD-B2E592C93831}" dt="2019-07-16T16:07:21.113" v="17" actId="1038"/>
+        <pc:sldMkLst>
+          <pc:docMk/>
+          <pc:sldMk cId="187822614" sldId="256"/>
+        </pc:sldMkLst>
+        <pc:picChg chg="add mod">
+          <ac:chgData name="Kerney, Jason" userId="1d545db0-240c-4034-9e97-4382dab14bfe" providerId="ADAL" clId="{5BC828F7-2975-468E-B8AD-B2E592C93831}" dt="2019-07-16T16:07:21.113" v="17" actId="1038"/>
+          <ac:picMkLst>
+            <pc:docMk/>
+            <pc:sldMk cId="187822614" sldId="256"/>
+            <ac:picMk id="7" creationId="{34FFAA4E-FE80-4E55-A7E6-3E095EDA80E8}"/>
+          </ac:picMkLst>
+        </pc:picChg>
+      </pc:sldChg>
+      <pc:sldChg chg="addSp modSp">
+        <pc:chgData name="Kerney, Jason" userId="1d545db0-240c-4034-9e97-4382dab14bfe" providerId="ADAL" clId="{5BC828F7-2975-468E-B8AD-B2E592C93831}" dt="2019-07-16T16:09:07.413" v="39" actId="1038"/>
+        <pc:sldMkLst>
+          <pc:docMk/>
+          <pc:sldMk cId="3034734882" sldId="257"/>
+        </pc:sldMkLst>
+        <pc:picChg chg="add mod">
+          <ac:chgData name="Kerney, Jason" userId="1d545db0-240c-4034-9e97-4382dab14bfe" providerId="ADAL" clId="{5BC828F7-2975-468E-B8AD-B2E592C93831}" dt="2019-07-16T16:08:54.736" v="36" actId="1038"/>
+          <ac:picMkLst>
+            <pc:docMk/>
+            <pc:sldMk cId="3034734882" sldId="257"/>
+            <ac:picMk id="58" creationId="{CAF48DB1-EA20-4F67-ABC9-82FF82D10F48}"/>
+          </ac:picMkLst>
+        </pc:picChg>
+        <pc:picChg chg="add mod">
+          <ac:chgData name="Kerney, Jason" userId="1d545db0-240c-4034-9e97-4382dab14bfe" providerId="ADAL" clId="{5BC828F7-2975-468E-B8AD-B2E592C93831}" dt="2019-07-16T16:09:07.413" v="39" actId="1038"/>
+          <ac:picMkLst>
+            <pc:docMk/>
+            <pc:sldMk cId="3034734882" sldId="257"/>
+            <ac:picMk id="69" creationId="{4E05A633-E04B-4FF0-90AC-CF00E2EB6592}"/>
+          </ac:picMkLst>
+        </pc:picChg>
+      </pc:sldChg>
+      <pc:sldChg chg="addSp modSp">
+        <pc:chgData name="Kerney, Jason" userId="1d545db0-240c-4034-9e97-4382dab14bfe" providerId="ADAL" clId="{5BC828F7-2975-468E-B8AD-B2E592C93831}" dt="2019-07-16T16:08:21.614" v="32" actId="1035"/>
+        <pc:sldMkLst>
+          <pc:docMk/>
+          <pc:sldMk cId="2223010171" sldId="258"/>
+        </pc:sldMkLst>
+        <pc:picChg chg="add mod">
+          <ac:chgData name="Kerney, Jason" userId="1d545db0-240c-4034-9e97-4382dab14bfe" providerId="ADAL" clId="{5BC828F7-2975-468E-B8AD-B2E592C93831}" dt="2019-07-16T16:07:27.587" v="18" actId="1038"/>
+          <ac:picMkLst>
+            <pc:docMk/>
+            <pc:sldMk cId="2223010171" sldId="258"/>
+            <ac:picMk id="113" creationId="{845640CB-0274-491A-803C-6FC8F9B2AE4E}"/>
+          </ac:picMkLst>
+        </pc:picChg>
+        <pc:picChg chg="add mod">
+          <ac:chgData name="Kerney, Jason" userId="1d545db0-240c-4034-9e97-4382dab14bfe" providerId="ADAL" clId="{5BC828F7-2975-468E-B8AD-B2E592C93831}" dt="2019-07-16T16:07:41.322" v="21" actId="1038"/>
+          <ac:picMkLst>
+            <pc:docMk/>
+            <pc:sldMk cId="2223010171" sldId="258"/>
+            <ac:picMk id="114" creationId="{05FFB16A-E188-48D6-BA12-4C0EEA462561}"/>
+          </ac:picMkLst>
+        </pc:picChg>
+        <pc:picChg chg="add mod">
+          <ac:chgData name="Kerney, Jason" userId="1d545db0-240c-4034-9e97-4382dab14bfe" providerId="ADAL" clId="{5BC828F7-2975-468E-B8AD-B2E592C93831}" dt="2019-07-16T16:07:55.140" v="24" actId="1038"/>
+          <ac:picMkLst>
+            <pc:docMk/>
+            <pc:sldMk cId="2223010171" sldId="258"/>
+            <ac:picMk id="115" creationId="{716AE869-327C-4708-9D1A-970AACC78F49}"/>
+          </ac:picMkLst>
+        </pc:picChg>
+        <pc:picChg chg="add mod">
+          <ac:chgData name="Kerney, Jason" userId="1d545db0-240c-4034-9e97-4382dab14bfe" providerId="ADAL" clId="{5BC828F7-2975-468E-B8AD-B2E592C93831}" dt="2019-07-16T16:08:21.614" v="32" actId="1035"/>
+          <ac:picMkLst>
+            <pc:docMk/>
+            <pc:sldMk cId="2223010171" sldId="258"/>
+            <ac:picMk id="127" creationId="{A5176508-6D44-495C-BB9A-A3CB098D5DAE}"/>
+          </ac:picMkLst>
+        </pc:picChg>
+      </pc:sldChg>
+    </pc:docChg>
+  </pc:docChgLst>
   <pc:docChgLst>
     <pc:chgData name="Kerney, Jason" userId="1d545db0-240c-4034-9e97-4382dab14bfe" providerId="ADAL" clId="{CDFAD735-38D5-4AC7-BB59-0028378995AE}"/>
     <pc:docChg chg="undo redo custSel addSld delSld modSld modSection">
@@ -2443,7 +2529,7 @@
           <a:p>
             <a:fld id="{AA0FAD61-F4A6-497B-B9FD-387E9B45C070}" type="datetimeFigureOut">
               <a:rPr lang="en-US" smtClean="0"/>
-              <a:t>7/15/2019</a:t>
+              <a:t>7/16/2019</a:t>
             </a:fld>
             <a:endParaRPr lang="en-US"/>
           </a:p>
@@ -2641,7 +2727,7 @@
           <a:p>
             <a:fld id="{AA0FAD61-F4A6-497B-B9FD-387E9B45C070}" type="datetimeFigureOut">
               <a:rPr lang="en-US" smtClean="0"/>
-              <a:t>7/15/2019</a:t>
+              <a:t>7/16/2019</a:t>
             </a:fld>
             <a:endParaRPr lang="en-US"/>
           </a:p>
@@ -2849,7 +2935,7 @@
           <a:p>
             <a:fld id="{AA0FAD61-F4A6-497B-B9FD-387E9B45C070}" type="datetimeFigureOut">
               <a:rPr lang="en-US" smtClean="0"/>
-              <a:t>7/15/2019</a:t>
+              <a:t>7/16/2019</a:t>
             </a:fld>
             <a:endParaRPr lang="en-US"/>
           </a:p>
@@ -3047,7 +3133,7 @@
           <a:p>
             <a:fld id="{AA0FAD61-F4A6-497B-B9FD-387E9B45C070}" type="datetimeFigureOut">
               <a:rPr lang="en-US" smtClean="0"/>
-              <a:t>7/15/2019</a:t>
+              <a:t>7/16/2019</a:t>
             </a:fld>
             <a:endParaRPr lang="en-US"/>
           </a:p>
@@ -3322,7 +3408,7 @@
           <a:p>
             <a:fld id="{AA0FAD61-F4A6-497B-B9FD-387E9B45C070}" type="datetimeFigureOut">
               <a:rPr lang="en-US" smtClean="0"/>
-              <a:t>7/15/2019</a:t>
+              <a:t>7/16/2019</a:t>
             </a:fld>
             <a:endParaRPr lang="en-US"/>
           </a:p>
@@ -3587,7 +3673,7 @@
           <a:p>
             <a:fld id="{AA0FAD61-F4A6-497B-B9FD-387E9B45C070}" type="datetimeFigureOut">
               <a:rPr lang="en-US" smtClean="0"/>
-              <a:t>7/15/2019</a:t>
+              <a:t>7/16/2019</a:t>
             </a:fld>
             <a:endParaRPr lang="en-US"/>
           </a:p>
@@ -3999,7 +4085,7 @@
           <a:p>
             <a:fld id="{AA0FAD61-F4A6-497B-B9FD-387E9B45C070}" type="datetimeFigureOut">
               <a:rPr lang="en-US" smtClean="0"/>
-              <a:t>7/15/2019</a:t>
+              <a:t>7/16/2019</a:t>
             </a:fld>
             <a:endParaRPr lang="en-US"/>
           </a:p>
@@ -4140,7 +4226,7 @@
           <a:p>
             <a:fld id="{AA0FAD61-F4A6-497B-B9FD-387E9B45C070}" type="datetimeFigureOut">
               <a:rPr lang="en-US" smtClean="0"/>
-              <a:t>7/15/2019</a:t>
+              <a:t>7/16/2019</a:t>
             </a:fld>
             <a:endParaRPr lang="en-US"/>
           </a:p>
@@ -4253,7 +4339,7 @@
           <a:p>
             <a:fld id="{AA0FAD61-F4A6-497B-B9FD-387E9B45C070}" type="datetimeFigureOut">
               <a:rPr lang="en-US" smtClean="0"/>
-              <a:t>7/15/2019</a:t>
+              <a:t>7/16/2019</a:t>
             </a:fld>
             <a:endParaRPr lang="en-US"/>
           </a:p>
@@ -4564,7 +4650,7 @@
           <a:p>
             <a:fld id="{AA0FAD61-F4A6-497B-B9FD-387E9B45C070}" type="datetimeFigureOut">
               <a:rPr lang="en-US" smtClean="0"/>
-              <a:t>7/15/2019</a:t>
+              <a:t>7/16/2019</a:t>
             </a:fld>
             <a:endParaRPr lang="en-US"/>
           </a:p>
@@ -4852,7 +4938,7 @@
           <a:p>
             <a:fld id="{AA0FAD61-F4A6-497B-B9FD-387E9B45C070}" type="datetimeFigureOut">
               <a:rPr lang="en-US" smtClean="0"/>
-              <a:t>7/15/2019</a:t>
+              <a:t>7/16/2019</a:t>
             </a:fld>
             <a:endParaRPr lang="en-US"/>
           </a:p>
@@ -5093,7 +5179,7 @@
           <a:p>
             <a:fld id="{AA0FAD61-F4A6-497B-B9FD-387E9B45C070}" type="datetimeFigureOut">
               <a:rPr lang="en-US" smtClean="0"/>
-              <a:t>7/15/2019</a:t>
+              <a:t>7/16/2019</a:t>
             </a:fld>
             <a:endParaRPr lang="en-US"/>
           </a:p>
@@ -6595,6 +6681,42 @@
           </p:txBody>
         </p:sp>
       </p:grpSp>
+      <p:pic>
+        <p:nvPicPr>
+          <p:cNvPr id="7" name="Picture 6">
+            <a:extLst>
+              <a:ext uri="{FF2B5EF4-FFF2-40B4-BE49-F238E27FC236}">
+                <a16:creationId xmlns:a16="http://schemas.microsoft.com/office/drawing/2014/main" id="{34FFAA4E-FE80-4E55-A7E6-3E095EDA80E8}"/>
+              </a:ext>
+            </a:extLst>
+          </p:cNvPr>
+          <p:cNvPicPr>
+            <a:picLocks noChangeAspect="1"/>
+          </p:cNvPicPr>
+          <p:nvPr/>
+        </p:nvPicPr>
+        <p:blipFill>
+          <a:blip r:embed="rId6">
+            <a:extLst>
+              <a:ext uri="{28A0092B-C50C-407E-A947-70E740481C1C}">
+                <a14:useLocalDpi xmlns:a14="http://schemas.microsoft.com/office/drawing/2010/main" val="0"/>
+              </a:ext>
+            </a:extLst>
+          </a:blip>
+          <a:stretch>
+            <a:fillRect/>
+          </a:stretch>
+        </p:blipFill>
+        <p:spPr>
+          <a:xfrm rot="16200000">
+            <a:off x="6737662" y="4631291"/>
+            <a:ext cx="762000" cy="142875"/>
+          </a:xfrm>
+          <a:prstGeom prst="rect">
+            <a:avLst/>
+          </a:prstGeom>
+        </p:spPr>
+      </p:pic>
     </p:spTree>
     <p:extLst>
       <p:ext uri="{BB962C8B-B14F-4D97-AF65-F5344CB8AC3E}">
@@ -10934,6 +11056,150 @@
           </a:prstGeom>
         </p:spPr>
       </p:pic>
+      <p:pic>
+        <p:nvPicPr>
+          <p:cNvPr id="113" name="Picture 112">
+            <a:extLst>
+              <a:ext uri="{FF2B5EF4-FFF2-40B4-BE49-F238E27FC236}">
+                <a16:creationId xmlns:a16="http://schemas.microsoft.com/office/drawing/2014/main" id="{845640CB-0274-491A-803C-6FC8F9B2AE4E}"/>
+              </a:ext>
+            </a:extLst>
+          </p:cNvPr>
+          <p:cNvPicPr>
+            <a:picLocks noChangeAspect="1"/>
+          </p:cNvPicPr>
+          <p:nvPr/>
+        </p:nvPicPr>
+        <p:blipFill>
+          <a:blip r:embed="rId7">
+            <a:extLst>
+              <a:ext uri="{28A0092B-C50C-407E-A947-70E740481C1C}">
+                <a14:useLocalDpi xmlns:a14="http://schemas.microsoft.com/office/drawing/2010/main" val="0"/>
+              </a:ext>
+            </a:extLst>
+          </a:blip>
+          <a:stretch>
+            <a:fillRect/>
+          </a:stretch>
+        </p:blipFill>
+        <p:spPr>
+          <a:xfrm rot="16200000">
+            <a:off x="2460031" y="4648069"/>
+            <a:ext cx="762000" cy="142875"/>
+          </a:xfrm>
+          <a:prstGeom prst="rect">
+            <a:avLst/>
+          </a:prstGeom>
+        </p:spPr>
+      </p:pic>
+      <p:pic>
+        <p:nvPicPr>
+          <p:cNvPr id="114" name="Picture 113">
+            <a:extLst>
+              <a:ext uri="{FF2B5EF4-FFF2-40B4-BE49-F238E27FC236}">
+                <a16:creationId xmlns:a16="http://schemas.microsoft.com/office/drawing/2014/main" id="{05FFB16A-E188-48D6-BA12-4C0EEA462561}"/>
+              </a:ext>
+            </a:extLst>
+          </p:cNvPr>
+          <p:cNvPicPr>
+            <a:picLocks noChangeAspect="1"/>
+          </p:cNvPicPr>
+          <p:nvPr/>
+        </p:nvPicPr>
+        <p:blipFill>
+          <a:blip r:embed="rId7">
+            <a:extLst>
+              <a:ext uri="{28A0092B-C50C-407E-A947-70E740481C1C}">
+                <a14:useLocalDpi xmlns:a14="http://schemas.microsoft.com/office/drawing/2010/main" val="0"/>
+              </a:ext>
+            </a:extLst>
+          </a:blip>
+          <a:stretch>
+            <a:fillRect/>
+          </a:stretch>
+        </p:blipFill>
+        <p:spPr>
+          <a:xfrm rot="16200000">
+            <a:off x="5496022" y="4648069"/>
+            <a:ext cx="762000" cy="142875"/>
+          </a:xfrm>
+          <a:prstGeom prst="rect">
+            <a:avLst/>
+          </a:prstGeom>
+        </p:spPr>
+      </p:pic>
+      <p:pic>
+        <p:nvPicPr>
+          <p:cNvPr id="115" name="Picture 114">
+            <a:extLst>
+              <a:ext uri="{FF2B5EF4-FFF2-40B4-BE49-F238E27FC236}">
+                <a16:creationId xmlns:a16="http://schemas.microsoft.com/office/drawing/2014/main" id="{716AE869-327C-4708-9D1A-970AACC78F49}"/>
+              </a:ext>
+            </a:extLst>
+          </p:cNvPr>
+          <p:cNvPicPr>
+            <a:picLocks noChangeAspect="1"/>
+          </p:cNvPicPr>
+          <p:nvPr/>
+        </p:nvPicPr>
+        <p:blipFill>
+          <a:blip r:embed="rId7">
+            <a:extLst>
+              <a:ext uri="{28A0092B-C50C-407E-A947-70E740481C1C}">
+                <a14:useLocalDpi xmlns:a14="http://schemas.microsoft.com/office/drawing/2010/main" val="0"/>
+              </a:ext>
+            </a:extLst>
+          </a:blip>
+          <a:stretch>
+            <a:fillRect/>
+          </a:stretch>
+        </p:blipFill>
+        <p:spPr>
+          <a:xfrm rot="16200000">
+            <a:off x="8539115" y="4634673"/>
+            <a:ext cx="762000" cy="142875"/>
+          </a:xfrm>
+          <a:prstGeom prst="rect">
+            <a:avLst/>
+          </a:prstGeom>
+        </p:spPr>
+      </p:pic>
+      <p:pic>
+        <p:nvPicPr>
+          <p:cNvPr id="127" name="Picture 126">
+            <a:extLst>
+              <a:ext uri="{FF2B5EF4-FFF2-40B4-BE49-F238E27FC236}">
+                <a16:creationId xmlns:a16="http://schemas.microsoft.com/office/drawing/2014/main" id="{A5176508-6D44-495C-BB9A-A3CB098D5DAE}"/>
+              </a:ext>
+            </a:extLst>
+          </p:cNvPr>
+          <p:cNvPicPr>
+            <a:picLocks noChangeAspect="1"/>
+          </p:cNvPicPr>
+          <p:nvPr/>
+        </p:nvPicPr>
+        <p:blipFill>
+          <a:blip r:embed="rId7">
+            <a:extLst>
+              <a:ext uri="{28A0092B-C50C-407E-A947-70E740481C1C}">
+                <a14:useLocalDpi xmlns:a14="http://schemas.microsoft.com/office/drawing/2010/main" val="0"/>
+              </a:ext>
+            </a:extLst>
+          </a:blip>
+          <a:stretch>
+            <a:fillRect/>
+          </a:stretch>
+        </p:blipFill>
+        <p:spPr>
+          <a:xfrm rot="16200000">
+            <a:off x="11584373" y="4639680"/>
+            <a:ext cx="762000" cy="142875"/>
+          </a:xfrm>
+          <a:prstGeom prst="rect">
+            <a:avLst/>
+          </a:prstGeom>
+        </p:spPr>
+      </p:pic>
     </p:spTree>
     <p:extLst>
       <p:ext uri="{BB962C8B-B14F-4D97-AF65-F5344CB8AC3E}">
@@ -13143,6 +13409,78 @@
           <a:xfrm flipH="1">
             <a:off x="3664972" y="578202"/>
             <a:ext cx="1812867" cy="1635853"/>
+          </a:xfrm>
+          <a:prstGeom prst="rect">
+            <a:avLst/>
+          </a:prstGeom>
+        </p:spPr>
+      </p:pic>
+      <p:pic>
+        <p:nvPicPr>
+          <p:cNvPr id="58" name="Picture 57">
+            <a:extLst>
+              <a:ext uri="{FF2B5EF4-FFF2-40B4-BE49-F238E27FC236}">
+                <a16:creationId xmlns:a16="http://schemas.microsoft.com/office/drawing/2014/main" id="{CAF48DB1-EA20-4F67-ABC9-82FF82D10F48}"/>
+              </a:ext>
+            </a:extLst>
+          </p:cNvPr>
+          <p:cNvPicPr>
+            <a:picLocks noChangeAspect="1"/>
+          </p:cNvPicPr>
+          <p:nvPr/>
+        </p:nvPicPr>
+        <p:blipFill>
+          <a:blip r:embed="rId7">
+            <a:extLst>
+              <a:ext uri="{28A0092B-C50C-407E-A947-70E740481C1C}">
+                <a14:useLocalDpi xmlns:a14="http://schemas.microsoft.com/office/drawing/2010/main" val="0"/>
+              </a:ext>
+            </a:extLst>
+          </a:blip>
+          <a:stretch>
+            <a:fillRect/>
+          </a:stretch>
+        </p:blipFill>
+        <p:spPr>
+          <a:xfrm rot="16200000">
+            <a:off x="2457072" y="4631398"/>
+            <a:ext cx="762000" cy="142875"/>
+          </a:xfrm>
+          <a:prstGeom prst="rect">
+            <a:avLst/>
+          </a:prstGeom>
+        </p:spPr>
+      </p:pic>
+      <p:pic>
+        <p:nvPicPr>
+          <p:cNvPr id="69" name="Picture 68">
+            <a:extLst>
+              <a:ext uri="{FF2B5EF4-FFF2-40B4-BE49-F238E27FC236}">
+                <a16:creationId xmlns:a16="http://schemas.microsoft.com/office/drawing/2014/main" id="{4E05A633-E04B-4FF0-90AC-CF00E2EB6592}"/>
+              </a:ext>
+            </a:extLst>
+          </p:cNvPr>
+          <p:cNvPicPr>
+            <a:picLocks noChangeAspect="1"/>
+          </p:cNvPicPr>
+          <p:nvPr/>
+        </p:nvPicPr>
+        <p:blipFill>
+          <a:blip r:embed="rId7">
+            <a:extLst>
+              <a:ext uri="{28A0092B-C50C-407E-A947-70E740481C1C}">
+                <a14:useLocalDpi xmlns:a14="http://schemas.microsoft.com/office/drawing/2010/main" val="0"/>
+              </a:ext>
+            </a:extLst>
+          </a:blip>
+          <a:stretch>
+            <a:fillRect/>
+          </a:stretch>
+        </p:blipFill>
+        <p:spPr>
+          <a:xfrm rot="16200000">
+            <a:off x="5487723" y="4631397"/>
+            <a:ext cx="762000" cy="142875"/>
           </a:xfrm>
           <a:prstGeom prst="rect">
             <a:avLst/>
